--- a/Documents/Presentations/Meeting_02_10_2024.pptx
+++ b/Documents/Presentations/Meeting_02_10_2024.pptx
@@ -5,10 +5,10 @@
     <p:sldMasterId id="2147483680" r:id="rId1"/>
   </p:sldMasterIdLst>
   <p:notesMasterIdLst>
-    <p:notesMasterId r:id="rId22"/>
+    <p:notesMasterId r:id="rId21"/>
   </p:notesMasterIdLst>
   <p:handoutMasterIdLst>
-    <p:handoutMasterId r:id="rId23"/>
+    <p:handoutMasterId r:id="rId22"/>
   </p:handoutMasterIdLst>
   <p:sldIdLst>
     <p:sldId id="539" r:id="rId2"/>
@@ -27,10 +27,9 @@
     <p:sldId id="567" r:id="rId15"/>
     <p:sldId id="568" r:id="rId16"/>
     <p:sldId id="569" r:id="rId17"/>
-    <p:sldId id="570" r:id="rId18"/>
-    <p:sldId id="269" r:id="rId19"/>
-    <p:sldId id="571" r:id="rId20"/>
-    <p:sldId id="572" r:id="rId21"/>
+    <p:sldId id="269" r:id="rId18"/>
+    <p:sldId id="571" r:id="rId19"/>
+    <p:sldId id="572" r:id="rId20"/>
   </p:sldIdLst>
   <p:sldSz cx="12192000" cy="6858000"/>
   <p:notesSz cx="6858000" cy="9144000"/>
@@ -166,7 +165,6 @@
             <p14:sldId id="567"/>
             <p14:sldId id="568"/>
             <p14:sldId id="569"/>
-            <p14:sldId id="570"/>
           </p14:sldIdLst>
         </p14:section>
         <p14:section name="Outro" id="{4F4A3F92-38AF-4915-9257-195F14FB1760}">
@@ -27599,7 +27597,7 @@
           <a:p>
             <a:fld id="{F682DC5A-CE0F-42FF-9A8F-8D6BF5189D70}" type="datetimeFigureOut">
               <a:rPr lang="de-DE" smtClean="0"/>
-              <a:t>27.09.2024</a:t>
+              <a:t>04.10.2024</a:t>
             </a:fld>
             <a:endParaRPr lang="de-DE" dirty="0"/>
           </a:p>
@@ -27776,7 +27774,7 @@
           <a:p>
             <a:fld id="{B65A847C-F8D5-4B7A-AB38-328EBDE6D6E1}" type="datetimeFigureOut">
               <a:rPr lang="de-DE" smtClean="0"/>
-              <a:t>27.09.2024</a:t>
+              <a:t>04.10.2024</a:t>
             </a:fld>
             <a:endParaRPr lang="de-DE" dirty="0"/>
           </a:p>
@@ -28606,7 +28604,7 @@
           <a:bodyPr/>
           <a:lstStyle/>
           <a:p>
-            <a:endParaRPr lang="en-GB" dirty="0"/>
+            <a:endParaRPr lang="en-GB"/>
           </a:p>
         </p:txBody>
       </p:sp>
@@ -28636,7 +28634,7 @@
     </p:spTree>
     <p:extLst>
       <p:ext uri="{BB962C8B-B14F-4D97-AF65-F5344CB8AC3E}">
-        <p14:creationId xmlns:p14="http://schemas.microsoft.com/office/powerpoint/2010/main" val="3961760447"/>
+        <p14:creationId xmlns:p14="http://schemas.microsoft.com/office/powerpoint/2010/main" val="2811173354"/>
       </p:ext>
     </p:extLst>
   </p:cSld>
@@ -28690,7 +28688,7 @@
           <a:bodyPr/>
           <a:lstStyle/>
           <a:p>
-            <a:endParaRPr lang="en-GB"/>
+            <a:endParaRPr lang="en-GB" dirty="0"/>
           </a:p>
         </p:txBody>
       </p:sp>
@@ -28720,7 +28718,7 @@
     </p:spTree>
     <p:extLst>
       <p:ext uri="{BB962C8B-B14F-4D97-AF65-F5344CB8AC3E}">
-        <p14:creationId xmlns:p14="http://schemas.microsoft.com/office/powerpoint/2010/main" val="2811173354"/>
+        <p14:creationId xmlns:p14="http://schemas.microsoft.com/office/powerpoint/2010/main" val="2728289326"/>
       </p:ext>
     </p:extLst>
   </p:cSld>
@@ -28796,90 +28794,6 @@
             <a:fld id="{98C9450D-02E7-4BF4-9A52-817DE351FFF9}" type="slidenum">
               <a:rPr lang="de-DE" smtClean="0"/>
               <a:t>19</a:t>
-            </a:fld>
-            <a:endParaRPr lang="de-DE" dirty="0"/>
-          </a:p>
-        </p:txBody>
-      </p:sp>
-    </p:spTree>
-    <p:extLst>
-      <p:ext uri="{BB962C8B-B14F-4D97-AF65-F5344CB8AC3E}">
-        <p14:creationId xmlns:p14="http://schemas.microsoft.com/office/powerpoint/2010/main" val="2728289326"/>
-      </p:ext>
-    </p:extLst>
-  </p:cSld>
-  <p:clrMapOvr>
-    <a:masterClrMapping/>
-  </p:clrMapOvr>
-</p:notes>
-</file>
-
-<file path=ppt/notesSlides/notesSlide18.xml><?xml version="1.0" encoding="utf-8"?>
-<p:notes xmlns:a="http://schemas.openxmlformats.org/drawingml/2006/main" xmlns:r="http://schemas.openxmlformats.org/officeDocument/2006/relationships" xmlns:p="http://schemas.openxmlformats.org/presentationml/2006/main">
-  <p:cSld>
-    <p:spTree>
-      <p:nvGrpSpPr>
-        <p:cNvPr id="1" name=""/>
-        <p:cNvGrpSpPr/>
-        <p:nvPr/>
-      </p:nvGrpSpPr>
-      <p:grpSpPr>
-        <a:xfrm>
-          <a:off x="0" y="0"/>
-          <a:ext cx="0" cy="0"/>
-          <a:chOff x="0" y="0"/>
-          <a:chExt cx="0" cy="0"/>
-        </a:xfrm>
-      </p:grpSpPr>
-      <p:sp>
-        <p:nvSpPr>
-          <p:cNvPr id="2" name="Slide Image Placeholder 1"/>
-          <p:cNvSpPr>
-            <a:spLocks noGrp="1" noRot="1" noChangeAspect="1"/>
-          </p:cNvSpPr>
-          <p:nvPr>
-            <p:ph type="sldImg"/>
-          </p:nvPr>
-        </p:nvSpPr>
-        <p:spPr/>
-      </p:sp>
-      <p:sp>
-        <p:nvSpPr>
-          <p:cNvPr id="3" name="Notes Placeholder 2"/>
-          <p:cNvSpPr>
-            <a:spLocks noGrp="1"/>
-          </p:cNvSpPr>
-          <p:nvPr>
-            <p:ph type="body" idx="1"/>
-          </p:nvPr>
-        </p:nvSpPr>
-        <p:spPr/>
-        <p:txBody>
-          <a:bodyPr/>
-          <a:lstStyle/>
-          <a:p>
-            <a:endParaRPr lang="en-GB" dirty="0"/>
-          </a:p>
-        </p:txBody>
-      </p:sp>
-      <p:sp>
-        <p:nvSpPr>
-          <p:cNvPr id="4" name="Slide Number Placeholder 3"/>
-          <p:cNvSpPr>
-            <a:spLocks noGrp="1"/>
-          </p:cNvSpPr>
-          <p:nvPr>
-            <p:ph type="sldNum" sz="quarter" idx="5"/>
-          </p:nvPr>
-        </p:nvSpPr>
-        <p:spPr/>
-        <p:txBody>
-          <a:bodyPr/>
-          <a:lstStyle/>
-          <a:p>
-            <a:fld id="{98C9450D-02E7-4BF4-9A52-817DE351FFF9}" type="slidenum">
-              <a:rPr lang="de-DE" smtClean="0"/>
-              <a:t>20</a:t>
             </a:fld>
             <a:endParaRPr lang="de-DE" dirty="0"/>
           </a:p>
@@ -29936,7 +29850,7 @@
           <a:p>
             <a:fld id="{EAD58E6D-6DAD-466C-B335-72C533EA206D}" type="datetimeFigureOut">
               <a:rPr lang="en-GB" smtClean="0"/>
-              <a:t>27/09/2024</a:t>
+              <a:t>04/10/2024</a:t>
             </a:fld>
             <a:endParaRPr lang="en-GB"/>
           </a:p>
@@ -30111,7 +30025,7 @@
           <a:p>
             <a:fld id="{EAD58E6D-6DAD-466C-B335-72C533EA206D}" type="datetimeFigureOut">
               <a:rPr lang="en-GB" smtClean="0"/>
-              <a:t>27/09/2024</a:t>
+              <a:t>04/10/2024</a:t>
             </a:fld>
             <a:endParaRPr lang="en-GB"/>
           </a:p>
@@ -30296,7 +30210,7 @@
           <a:p>
             <a:fld id="{EAD58E6D-6DAD-466C-B335-72C533EA206D}" type="datetimeFigureOut">
               <a:rPr lang="en-GB" smtClean="0"/>
-              <a:t>27/09/2024</a:t>
+              <a:t>04/10/2024</a:t>
             </a:fld>
             <a:endParaRPr lang="en-GB"/>
           </a:p>
@@ -33880,7 +33794,7 @@
           <a:p>
             <a:fld id="{EAD58E6D-6DAD-466C-B335-72C533EA206D}" type="datetimeFigureOut">
               <a:rPr lang="en-GB" smtClean="0"/>
-              <a:t>27/09/2024</a:t>
+              <a:t>04/10/2024</a:t>
             </a:fld>
             <a:endParaRPr lang="en-GB"/>
           </a:p>
@@ -35621,7 +35535,7 @@
           <a:p>
             <a:fld id="{EAD58E6D-6DAD-466C-B335-72C533EA206D}" type="datetimeFigureOut">
               <a:rPr lang="en-GB" smtClean="0"/>
-              <a:t>27/09/2024</a:t>
+              <a:t>04/10/2024</a:t>
             </a:fld>
             <a:endParaRPr lang="en-GB"/>
           </a:p>
@@ -35858,7 +35772,7 @@
           <a:p>
             <a:fld id="{EAD58E6D-6DAD-466C-B335-72C533EA206D}" type="datetimeFigureOut">
               <a:rPr lang="en-GB" smtClean="0"/>
-              <a:t>27/09/2024</a:t>
+              <a:t>04/10/2024</a:t>
             </a:fld>
             <a:endParaRPr lang="en-GB"/>
           </a:p>
@@ -36230,7 +36144,7 @@
           <a:p>
             <a:fld id="{EAD58E6D-6DAD-466C-B335-72C533EA206D}" type="datetimeFigureOut">
               <a:rPr lang="en-GB" smtClean="0"/>
-              <a:t>27/09/2024</a:t>
+              <a:t>04/10/2024</a:t>
             </a:fld>
             <a:endParaRPr lang="en-GB"/>
           </a:p>
@@ -36353,7 +36267,7 @@
           <a:p>
             <a:fld id="{EAD58E6D-6DAD-466C-B335-72C533EA206D}" type="datetimeFigureOut">
               <a:rPr lang="en-GB" smtClean="0"/>
-              <a:t>27/09/2024</a:t>
+              <a:t>04/10/2024</a:t>
             </a:fld>
             <a:endParaRPr lang="en-GB"/>
           </a:p>
@@ -36453,7 +36367,7 @@
           <a:p>
             <a:fld id="{EAD58E6D-6DAD-466C-B335-72C533EA206D}" type="datetimeFigureOut">
               <a:rPr lang="en-GB" smtClean="0"/>
-              <a:t>27/09/2024</a:t>
+              <a:t>04/10/2024</a:t>
             </a:fld>
             <a:endParaRPr lang="en-GB"/>
           </a:p>
@@ -36735,7 +36649,7 @@
           <a:p>
             <a:fld id="{EAD58E6D-6DAD-466C-B335-72C533EA206D}" type="datetimeFigureOut">
               <a:rPr lang="en-GB" smtClean="0"/>
-              <a:t>27/09/2024</a:t>
+              <a:t>04/10/2024</a:t>
             </a:fld>
             <a:endParaRPr lang="en-GB"/>
           </a:p>
@@ -36997,7 +36911,7 @@
           <a:p>
             <a:fld id="{EAD58E6D-6DAD-466C-B335-72C533EA206D}" type="datetimeFigureOut">
               <a:rPr lang="en-GB" smtClean="0"/>
-              <a:t>27/09/2024</a:t>
+              <a:t>04/10/2024</a:t>
             </a:fld>
             <a:endParaRPr lang="en-GB"/>
           </a:p>
@@ -37215,7 +37129,7 @@
           <a:p>
             <a:fld id="{EAD58E6D-6DAD-466C-B335-72C533EA206D}" type="datetimeFigureOut">
               <a:rPr lang="en-GB" smtClean="0"/>
-              <a:t>27/09/2024</a:t>
+              <a:t>04/10/2024</a:t>
             </a:fld>
             <a:endParaRPr lang="en-GB"/>
           </a:p>
@@ -38382,13 +38296,13 @@
   <p:clrMapOvr>
     <a:masterClrMapping/>
   </p:clrMapOvr>
-  <mc:AlternateContent xmlns:mc="http://schemas.openxmlformats.org/markup-compatibility/2006">
-    <mc:Choice xmlns:p159="http://schemas.microsoft.com/office/powerpoint/2015/09/main" Requires="p159">
+  <mc:AlternateContent xmlns:mc="http://schemas.openxmlformats.org/markup-compatibility/2006" xmlns:p159="http://schemas.microsoft.com/office/powerpoint/2015/09/main">
+    <mc:Choice Requires="p159">
       <p:transition xmlns:p14="http://schemas.microsoft.com/office/powerpoint/2010/main" spd="slow" p14:dur="1500">
         <p159:morph option="byObject"/>
       </p:transition>
     </mc:Choice>
-    <mc:Fallback>
+    <mc:Fallback xmlns="">
       <p:transition spd="slow">
         <p:fade/>
       </p:transition>
@@ -38755,13 +38669,13 @@
   <p:clrMapOvr>
     <a:masterClrMapping/>
   </p:clrMapOvr>
-  <mc:AlternateContent xmlns:mc="http://schemas.openxmlformats.org/markup-compatibility/2006">
-    <mc:Choice xmlns:p159="http://schemas.microsoft.com/office/powerpoint/2015/09/main" Requires="p159">
+  <mc:AlternateContent xmlns:mc="http://schemas.openxmlformats.org/markup-compatibility/2006" xmlns:p159="http://schemas.microsoft.com/office/powerpoint/2015/09/main">
+    <mc:Choice Requires="p159">
       <p:transition xmlns:p14="http://schemas.microsoft.com/office/powerpoint/2010/main" spd="slow" p14:dur="2000">
         <p159:morph option="byObject"/>
       </p:transition>
     </mc:Choice>
-    <mc:Fallback>
+    <mc:Fallback xmlns="">
       <p:transition spd="slow">
         <p:fade/>
       </p:transition>
@@ -39082,13 +38996,13 @@
   <p:clrMapOvr>
     <a:masterClrMapping/>
   </p:clrMapOvr>
-  <mc:AlternateContent xmlns:mc="http://schemas.openxmlformats.org/markup-compatibility/2006">
-    <mc:Choice xmlns:p159="http://schemas.microsoft.com/office/powerpoint/2015/09/main" Requires="p159">
+  <mc:AlternateContent xmlns:mc="http://schemas.openxmlformats.org/markup-compatibility/2006" xmlns:p159="http://schemas.microsoft.com/office/powerpoint/2015/09/main">
+    <mc:Choice Requires="p159">
       <p:transition xmlns:p14="http://schemas.microsoft.com/office/powerpoint/2010/main" spd="slow" p14:dur="2000">
         <p159:morph option="byObject"/>
       </p:transition>
     </mc:Choice>
-    <mc:Fallback>
+    <mc:Fallback xmlns="">
       <p:transition spd="slow">
         <p:fade/>
       </p:transition>
@@ -39403,13 +39317,13 @@
   <p:clrMapOvr>
     <a:masterClrMapping/>
   </p:clrMapOvr>
-  <mc:AlternateContent xmlns:mc="http://schemas.openxmlformats.org/markup-compatibility/2006">
-    <mc:Choice xmlns:p159="http://schemas.microsoft.com/office/powerpoint/2015/09/main" Requires="p159">
+  <mc:AlternateContent xmlns:mc="http://schemas.openxmlformats.org/markup-compatibility/2006" xmlns:p159="http://schemas.microsoft.com/office/powerpoint/2015/09/main">
+    <mc:Choice Requires="p159">
       <p:transition xmlns:p14="http://schemas.microsoft.com/office/powerpoint/2010/main" spd="slow" p14:dur="2000">
         <p159:morph option="byObject"/>
       </p:transition>
     </mc:Choice>
-    <mc:Fallback>
+    <mc:Fallback xmlns="">
       <p:transition spd="slow">
         <p:fade/>
       </p:transition>
@@ -39724,13 +39638,13 @@
   <p:clrMapOvr>
     <a:masterClrMapping/>
   </p:clrMapOvr>
-  <mc:AlternateContent xmlns:mc="http://schemas.openxmlformats.org/markup-compatibility/2006">
-    <mc:Choice xmlns:p159="http://schemas.microsoft.com/office/powerpoint/2015/09/main" Requires="p159">
+  <mc:AlternateContent xmlns:mc="http://schemas.openxmlformats.org/markup-compatibility/2006" xmlns:p159="http://schemas.microsoft.com/office/powerpoint/2015/09/main">
+    <mc:Choice Requires="p159">
       <p:transition xmlns:p14="http://schemas.microsoft.com/office/powerpoint/2010/main" spd="slow" p14:dur="2000">
         <p159:morph option="byObject"/>
       </p:transition>
     </mc:Choice>
-    <mc:Fallback>
+    <mc:Fallback xmlns="">
       <p:transition spd="slow">
         <p:fade/>
       </p:transition>
@@ -40073,13 +39987,13 @@
   <p:clrMapOvr>
     <a:masterClrMapping/>
   </p:clrMapOvr>
-  <mc:AlternateContent xmlns:mc="http://schemas.openxmlformats.org/markup-compatibility/2006">
-    <mc:Choice xmlns:p159="http://schemas.microsoft.com/office/powerpoint/2015/09/main" Requires="p159">
+  <mc:AlternateContent xmlns:mc="http://schemas.openxmlformats.org/markup-compatibility/2006" xmlns:p159="http://schemas.microsoft.com/office/powerpoint/2015/09/main">
+    <mc:Choice Requires="p159">
       <p:transition xmlns:p14="http://schemas.microsoft.com/office/powerpoint/2010/main" spd="slow" p14:dur="2000">
         <p159:morph option="byObject"/>
       </p:transition>
     </mc:Choice>
-    <mc:Fallback>
+    <mc:Fallback xmlns="">
       <p:transition spd="slow">
         <p:fade/>
       </p:transition>
@@ -40089,131 +40003,6 @@
 </file>
 
 <file path=ppt/slides/slide17.xml><?xml version="1.0" encoding="utf-8"?>
-<p:sld xmlns:a="http://schemas.openxmlformats.org/drawingml/2006/main" xmlns:r="http://schemas.openxmlformats.org/officeDocument/2006/relationships" xmlns:p="http://schemas.openxmlformats.org/presentationml/2006/main">
-  <p:cSld>
-    <p:spTree>
-      <p:nvGrpSpPr>
-        <p:cNvPr id="1" name=""/>
-        <p:cNvGrpSpPr/>
-        <p:nvPr/>
-      </p:nvGrpSpPr>
-      <p:grpSpPr>
-        <a:xfrm>
-          <a:off x="0" y="0"/>
-          <a:ext cx="0" cy="0"/>
-          <a:chOff x="0" y="0"/>
-          <a:chExt cx="0" cy="0"/>
-        </a:xfrm>
-      </p:grpSpPr>
-      <p:sp>
-        <p:nvSpPr>
-          <p:cNvPr id="2" name="Title 1">
-            <a:extLst>
-              <a:ext uri="{FF2B5EF4-FFF2-40B4-BE49-F238E27FC236}">
-                <a16:creationId xmlns:a16="http://schemas.microsoft.com/office/drawing/2014/main" id="{5FEABF5D-6491-E240-7A81-982068121588}"/>
-              </a:ext>
-            </a:extLst>
-          </p:cNvPr>
-          <p:cNvSpPr>
-            <a:spLocks noGrp="1"/>
-          </p:cNvSpPr>
-          <p:nvPr>
-            <p:ph type="title"/>
-          </p:nvPr>
-        </p:nvSpPr>
-        <p:spPr>
-          <a:xfrm>
-            <a:off x="4843462" y="2766218"/>
-            <a:ext cx="2505075" cy="1325563"/>
-          </a:xfrm>
-        </p:spPr>
-        <p:txBody>
-          <a:bodyPr/>
-          <a:lstStyle/>
-          <a:p>
-            <a:pPr algn="ctr"/>
-            <a:r>
-              <a:rPr lang="en-GB" dirty="0"/>
-              <a:t>DEMO</a:t>
-            </a:r>
-          </a:p>
-        </p:txBody>
-      </p:sp>
-      <p:sp>
-        <p:nvSpPr>
-          <p:cNvPr id="3" name="Footer Placeholder 2">
-            <a:extLst>
-              <a:ext uri="{FF2B5EF4-FFF2-40B4-BE49-F238E27FC236}">
-                <a16:creationId xmlns:a16="http://schemas.microsoft.com/office/drawing/2014/main" id="{D8C71A13-BFC5-4612-93C7-861180595049}"/>
-              </a:ext>
-            </a:extLst>
-          </p:cNvPr>
-          <p:cNvSpPr>
-            <a:spLocks noGrp="1"/>
-          </p:cNvSpPr>
-          <p:nvPr>
-            <p:ph type="ftr" sz="quarter" idx="11"/>
-          </p:nvPr>
-        </p:nvSpPr>
-        <p:spPr/>
-        <p:txBody>
-          <a:bodyPr/>
-          <a:lstStyle/>
-          <a:p>
-            <a:r>
-              <a:rPr lang="de-DE"/>
-              <a:t>Technische Hochschule Ulm | Ahmed Ibrahim Almohamed</a:t>
-            </a:r>
-            <a:endParaRPr lang="de-DE" dirty="0"/>
-          </a:p>
-        </p:txBody>
-      </p:sp>
-      <p:sp>
-        <p:nvSpPr>
-          <p:cNvPr id="4" name="Slide Number Placeholder 3">
-            <a:extLst>
-              <a:ext uri="{FF2B5EF4-FFF2-40B4-BE49-F238E27FC236}">
-                <a16:creationId xmlns:a16="http://schemas.microsoft.com/office/drawing/2014/main" id="{4B387523-2DDA-BB9C-11FD-8C1ACC91D1AE}"/>
-              </a:ext>
-            </a:extLst>
-          </p:cNvPr>
-          <p:cNvSpPr>
-            <a:spLocks noGrp="1"/>
-          </p:cNvSpPr>
-          <p:nvPr>
-            <p:ph type="sldNum" sz="quarter" idx="12"/>
-          </p:nvPr>
-        </p:nvSpPr>
-        <p:spPr/>
-        <p:txBody>
-          <a:bodyPr/>
-          <a:lstStyle/>
-          <a:p>
-            <a:fld id="{99CA1EA3-0D11-4A4F-87CC-2BC8EC611D52}" type="slidenum">
-              <a:rPr lang="en-GB" smtClean="0"/>
-              <a:t>17</a:t>
-            </a:fld>
-            <a:endParaRPr lang="en-GB"/>
-          </a:p>
-        </p:txBody>
-      </p:sp>
-    </p:spTree>
-    <p:extLst>
-      <p:ext uri="{BB962C8B-B14F-4D97-AF65-F5344CB8AC3E}">
-        <p14:creationId xmlns:p14="http://schemas.microsoft.com/office/powerpoint/2010/main" val="4137279380"/>
-      </p:ext>
-    </p:extLst>
-  </p:cSld>
-  <p:clrMapOvr>
-    <a:masterClrMapping/>
-  </p:clrMapOvr>
-  <p:transition spd="slow">
-    <p:push dir="u"/>
-  </p:transition>
-</p:sld>
-</file>
-
-<file path=ppt/slides/slide18.xml><?xml version="1.0" encoding="utf-8"?>
 <p:sld xmlns:a="http://schemas.openxmlformats.org/drawingml/2006/main" xmlns:r="http://schemas.openxmlformats.org/officeDocument/2006/relationships" xmlns:p="http://schemas.openxmlformats.org/presentationml/2006/main">
   <p:cSld>
     <p:spTree>
@@ -40311,7 +40100,7 @@
 </p:sld>
 </file>
 
-<file path=ppt/slides/slide19.xml><?xml version="1.0" encoding="utf-8"?>
+<file path=ppt/slides/slide18.xml><?xml version="1.0" encoding="utf-8"?>
 <p:sld xmlns:a="http://schemas.openxmlformats.org/drawingml/2006/main" xmlns:r="http://schemas.openxmlformats.org/officeDocument/2006/relationships" xmlns:p="http://schemas.openxmlformats.org/presentationml/2006/main">
   <p:cSld>
     <p:spTree>
@@ -40454,6 +40243,161 @@
     <p:extLst>
       <p:ext uri="{BB962C8B-B14F-4D97-AF65-F5344CB8AC3E}">
         <p14:creationId xmlns:p14="http://schemas.microsoft.com/office/powerpoint/2010/main" val="1790155154"/>
+      </p:ext>
+    </p:extLst>
+  </p:cSld>
+  <p:clrMapOvr>
+    <a:masterClrMapping/>
+  </p:clrMapOvr>
+  <p:transition spd="slow">
+    <p:push dir="u"/>
+  </p:transition>
+</p:sld>
+</file>
+
+<file path=ppt/slides/slide19.xml><?xml version="1.0" encoding="utf-8"?>
+<p:sld xmlns:a="http://schemas.openxmlformats.org/drawingml/2006/main" xmlns:r="http://schemas.openxmlformats.org/officeDocument/2006/relationships" xmlns:p="http://schemas.openxmlformats.org/presentationml/2006/main">
+  <p:cSld>
+    <p:spTree>
+      <p:nvGrpSpPr>
+        <p:cNvPr id="1" name=""/>
+        <p:cNvGrpSpPr/>
+        <p:nvPr/>
+      </p:nvGrpSpPr>
+      <p:grpSpPr>
+        <a:xfrm>
+          <a:off x="0" y="0"/>
+          <a:ext cx="0" cy="0"/>
+          <a:chOff x="0" y="0"/>
+          <a:chExt cx="0" cy="0"/>
+        </a:xfrm>
+      </p:grpSpPr>
+      <p:sp>
+        <p:nvSpPr>
+          <p:cNvPr id="2" name="Title 1">
+            <a:extLst>
+              <a:ext uri="{FF2B5EF4-FFF2-40B4-BE49-F238E27FC236}">
+                <a16:creationId xmlns:a16="http://schemas.microsoft.com/office/drawing/2014/main" id="{F1FE901D-386D-03BA-264C-FB2625EDEA8B}"/>
+              </a:ext>
+            </a:extLst>
+          </p:cNvPr>
+          <p:cNvSpPr>
+            <a:spLocks noGrp="1"/>
+          </p:cNvSpPr>
+          <p:nvPr>
+            <p:ph type="title"/>
+          </p:nvPr>
+        </p:nvSpPr>
+        <p:spPr/>
+        <p:txBody>
+          <a:bodyPr>
+            <a:normAutofit fontScale="90000"/>
+          </a:bodyPr>
+          <a:lstStyle/>
+          <a:p>
+            <a:r>
+              <a:rPr lang="en-GB" dirty="0"/>
+              <a:t>KukaVarProxy </a:t>
+            </a:r>
+            <a:r>
+              <a:rPr lang="en-GB" dirty="0" err="1"/>
+              <a:t>Clinet</a:t>
+            </a:r>
+            <a:endParaRPr lang="en-GB" dirty="0"/>
+          </a:p>
+        </p:txBody>
+      </p:sp>
+      <p:sp>
+        <p:nvSpPr>
+          <p:cNvPr id="3" name="Text Placeholder 2">
+            <a:extLst>
+              <a:ext uri="{FF2B5EF4-FFF2-40B4-BE49-F238E27FC236}">
+                <a16:creationId xmlns:a16="http://schemas.microsoft.com/office/drawing/2014/main" id="{D6407C96-5572-2F6D-963D-E28DC0B13726}"/>
+              </a:ext>
+            </a:extLst>
+          </p:cNvPr>
+          <p:cNvSpPr>
+            <a:spLocks noGrp="1"/>
+          </p:cNvSpPr>
+          <p:nvPr>
+            <p:ph type="body" sz="quarter" idx="13"/>
+          </p:nvPr>
+        </p:nvSpPr>
+        <p:spPr/>
+        <p:txBody>
+          <a:bodyPr/>
+          <a:lstStyle/>
+          <a:p>
+            <a:r>
+              <a:rPr lang="en-GB" dirty="0"/>
+              <a:t>Classes</a:t>
+            </a:r>
+          </a:p>
+        </p:txBody>
+      </p:sp>
+      <p:sp>
+        <p:nvSpPr>
+          <p:cNvPr id="4" name="Footer Placeholder 3">
+            <a:extLst>
+              <a:ext uri="{FF2B5EF4-FFF2-40B4-BE49-F238E27FC236}">
+                <a16:creationId xmlns:a16="http://schemas.microsoft.com/office/drawing/2014/main" id="{B3B1934C-546A-00DD-D4E4-D3D1C2C92D18}"/>
+              </a:ext>
+            </a:extLst>
+          </p:cNvPr>
+          <p:cNvSpPr>
+            <a:spLocks noGrp="1"/>
+          </p:cNvSpPr>
+          <p:nvPr>
+            <p:ph type="ftr" sz="quarter" idx="3"/>
+          </p:nvPr>
+        </p:nvSpPr>
+        <p:spPr/>
+        <p:txBody>
+          <a:bodyPr/>
+          <a:lstStyle/>
+          <a:p>
+            <a:r>
+              <a:rPr lang="de-DE"/>
+              <a:t>Technische Hochschule Ulm | Ahmed Ibrahim Almohamed</a:t>
+            </a:r>
+            <a:endParaRPr lang="de-DE" dirty="0"/>
+          </a:p>
+        </p:txBody>
+      </p:sp>
+      <p:pic>
+        <p:nvPicPr>
+          <p:cNvPr id="7" name="Picture 6" descr="A screenshot of a computer&#10;&#10;Description automatically generated">
+            <a:extLst>
+              <a:ext uri="{FF2B5EF4-FFF2-40B4-BE49-F238E27FC236}">
+                <a16:creationId xmlns:a16="http://schemas.microsoft.com/office/drawing/2014/main" id="{E18AB984-8A33-4D09-D8DD-A57E80728B01}"/>
+              </a:ext>
+            </a:extLst>
+          </p:cNvPr>
+          <p:cNvPicPr>
+            <a:picLocks noChangeAspect="1"/>
+          </p:cNvPicPr>
+          <p:nvPr/>
+        </p:nvPicPr>
+        <p:blipFill>
+          <a:blip r:embed="rId3"/>
+          <a:stretch>
+            <a:fillRect/>
+          </a:stretch>
+        </p:blipFill>
+        <p:spPr>
+          <a:xfrm>
+            <a:off x="1310118" y="1647520"/>
+            <a:ext cx="10107024" cy="4116500"/>
+          </a:xfrm>
+          <a:prstGeom prst="rect">
+            <a:avLst/>
+          </a:prstGeom>
+        </p:spPr>
+      </p:pic>
+    </p:spTree>
+    <p:extLst>
+      <p:ext uri="{BB962C8B-B14F-4D97-AF65-F5344CB8AC3E}">
+        <p14:creationId xmlns:p14="http://schemas.microsoft.com/office/powerpoint/2010/main" val="1560609498"/>
       </p:ext>
     </p:extLst>
   </p:cSld>
@@ -40659,161 +40603,6 @@
     <p:extLst>
       <p:ext uri="{BB962C8B-B14F-4D97-AF65-F5344CB8AC3E}">
         <p14:creationId xmlns:p14="http://schemas.microsoft.com/office/powerpoint/2010/main" val="1420190269"/>
-      </p:ext>
-    </p:extLst>
-  </p:cSld>
-  <p:clrMapOvr>
-    <a:masterClrMapping/>
-  </p:clrMapOvr>
-  <p:transition spd="slow">
-    <p:push dir="u"/>
-  </p:transition>
-</p:sld>
-</file>
-
-<file path=ppt/slides/slide20.xml><?xml version="1.0" encoding="utf-8"?>
-<p:sld xmlns:a="http://schemas.openxmlformats.org/drawingml/2006/main" xmlns:r="http://schemas.openxmlformats.org/officeDocument/2006/relationships" xmlns:p="http://schemas.openxmlformats.org/presentationml/2006/main">
-  <p:cSld>
-    <p:spTree>
-      <p:nvGrpSpPr>
-        <p:cNvPr id="1" name=""/>
-        <p:cNvGrpSpPr/>
-        <p:nvPr/>
-      </p:nvGrpSpPr>
-      <p:grpSpPr>
-        <a:xfrm>
-          <a:off x="0" y="0"/>
-          <a:ext cx="0" cy="0"/>
-          <a:chOff x="0" y="0"/>
-          <a:chExt cx="0" cy="0"/>
-        </a:xfrm>
-      </p:grpSpPr>
-      <p:sp>
-        <p:nvSpPr>
-          <p:cNvPr id="2" name="Title 1">
-            <a:extLst>
-              <a:ext uri="{FF2B5EF4-FFF2-40B4-BE49-F238E27FC236}">
-                <a16:creationId xmlns:a16="http://schemas.microsoft.com/office/drawing/2014/main" id="{F1FE901D-386D-03BA-264C-FB2625EDEA8B}"/>
-              </a:ext>
-            </a:extLst>
-          </p:cNvPr>
-          <p:cNvSpPr>
-            <a:spLocks noGrp="1"/>
-          </p:cNvSpPr>
-          <p:nvPr>
-            <p:ph type="title"/>
-          </p:nvPr>
-        </p:nvSpPr>
-        <p:spPr/>
-        <p:txBody>
-          <a:bodyPr>
-            <a:normAutofit fontScale="90000"/>
-          </a:bodyPr>
-          <a:lstStyle/>
-          <a:p>
-            <a:r>
-              <a:rPr lang="en-GB" dirty="0"/>
-              <a:t>KukaVarProxy </a:t>
-            </a:r>
-            <a:r>
-              <a:rPr lang="en-GB" dirty="0" err="1"/>
-              <a:t>Clinet</a:t>
-            </a:r>
-            <a:endParaRPr lang="en-GB" dirty="0"/>
-          </a:p>
-        </p:txBody>
-      </p:sp>
-      <p:sp>
-        <p:nvSpPr>
-          <p:cNvPr id="3" name="Text Placeholder 2">
-            <a:extLst>
-              <a:ext uri="{FF2B5EF4-FFF2-40B4-BE49-F238E27FC236}">
-                <a16:creationId xmlns:a16="http://schemas.microsoft.com/office/drawing/2014/main" id="{D6407C96-5572-2F6D-963D-E28DC0B13726}"/>
-              </a:ext>
-            </a:extLst>
-          </p:cNvPr>
-          <p:cNvSpPr>
-            <a:spLocks noGrp="1"/>
-          </p:cNvSpPr>
-          <p:nvPr>
-            <p:ph type="body" sz="quarter" idx="13"/>
-          </p:nvPr>
-        </p:nvSpPr>
-        <p:spPr/>
-        <p:txBody>
-          <a:bodyPr/>
-          <a:lstStyle/>
-          <a:p>
-            <a:r>
-              <a:rPr lang="en-GB" dirty="0"/>
-              <a:t>Classes</a:t>
-            </a:r>
-          </a:p>
-        </p:txBody>
-      </p:sp>
-      <p:sp>
-        <p:nvSpPr>
-          <p:cNvPr id="4" name="Footer Placeholder 3">
-            <a:extLst>
-              <a:ext uri="{FF2B5EF4-FFF2-40B4-BE49-F238E27FC236}">
-                <a16:creationId xmlns:a16="http://schemas.microsoft.com/office/drawing/2014/main" id="{B3B1934C-546A-00DD-D4E4-D3D1C2C92D18}"/>
-              </a:ext>
-            </a:extLst>
-          </p:cNvPr>
-          <p:cNvSpPr>
-            <a:spLocks noGrp="1"/>
-          </p:cNvSpPr>
-          <p:nvPr>
-            <p:ph type="ftr" sz="quarter" idx="3"/>
-          </p:nvPr>
-        </p:nvSpPr>
-        <p:spPr/>
-        <p:txBody>
-          <a:bodyPr/>
-          <a:lstStyle/>
-          <a:p>
-            <a:r>
-              <a:rPr lang="de-DE"/>
-              <a:t>Technische Hochschule Ulm | Ahmed Ibrahim Almohamed</a:t>
-            </a:r>
-            <a:endParaRPr lang="de-DE" dirty="0"/>
-          </a:p>
-        </p:txBody>
-      </p:sp>
-      <p:pic>
-        <p:nvPicPr>
-          <p:cNvPr id="7" name="Picture 6" descr="A screenshot of a computer&#10;&#10;Description automatically generated">
-            <a:extLst>
-              <a:ext uri="{FF2B5EF4-FFF2-40B4-BE49-F238E27FC236}">
-                <a16:creationId xmlns:a16="http://schemas.microsoft.com/office/drawing/2014/main" id="{E18AB984-8A33-4D09-D8DD-A57E80728B01}"/>
-              </a:ext>
-            </a:extLst>
-          </p:cNvPr>
-          <p:cNvPicPr>
-            <a:picLocks noChangeAspect="1"/>
-          </p:cNvPicPr>
-          <p:nvPr/>
-        </p:nvPicPr>
-        <p:blipFill>
-          <a:blip r:embed="rId3"/>
-          <a:stretch>
-            <a:fillRect/>
-          </a:stretch>
-        </p:blipFill>
-        <p:spPr>
-          <a:xfrm>
-            <a:off x="1310118" y="1647520"/>
-            <a:ext cx="10107024" cy="4116500"/>
-          </a:xfrm>
-          <a:prstGeom prst="rect">
-            <a:avLst/>
-          </a:prstGeom>
-        </p:spPr>
-      </p:pic>
-    </p:spTree>
-    <p:extLst>
-      <p:ext uri="{BB962C8B-B14F-4D97-AF65-F5344CB8AC3E}">
-        <p14:creationId xmlns:p14="http://schemas.microsoft.com/office/powerpoint/2010/main" val="1560609498"/>
       </p:ext>
     </p:extLst>
   </p:cSld>
